--- a/teach/fall_21/slides/ds_1.pptx
+++ b/teach/fall_21/slides/ds_1.pptx
@@ -216,7 +216,7 @@
           <a:p>
             <a:fld id="{3B15A1CC-ACDD-704E-8698-C6E1792162B7}" type="datetimeFigureOut">
               <a:rPr lang="en-US" smtClean="0"/>
-              <a:t>8/23/21</a:t>
+              <a:t>8/25/21</a:t>
             </a:fld>
             <a:endParaRPr lang="en-US"/>
           </a:p>
@@ -1515,7 +1515,7 @@
             <a:fld id="{B61BEF0D-F0BB-DE4B-95CE-6DB70DBA9567}" type="datetimeFigureOut">
               <a:rPr lang="en-US"/>
               <a:pPr/>
-              <a:t>8/23/21</a:t>
+              <a:t>8/25/21</a:t>
             </a:fld>
             <a:endParaRPr lang="en-US" dirty="0"/>
           </a:p>
@@ -1774,7 +1774,7 @@
             <a:fld id="{B61BEF0D-F0BB-DE4B-95CE-6DB70DBA9567}" type="datetimeFigureOut">
               <a:rPr lang="en-US"/>
               <a:pPr/>
-              <a:t>8/23/21</a:t>
+              <a:t>8/25/21</a:t>
             </a:fld>
             <a:endParaRPr lang="en-US" dirty="0"/>
           </a:p>
@@ -2006,7 +2006,7 @@
             <a:fld id="{B61BEF0D-F0BB-DE4B-95CE-6DB70DBA9567}" type="datetimeFigureOut">
               <a:rPr lang="en-US"/>
               <a:pPr/>
-              <a:t>8/23/21</a:t>
+              <a:t>8/25/21</a:t>
             </a:fld>
             <a:endParaRPr lang="en-US" dirty="0"/>
           </a:p>
@@ -2243,7 +2243,7 @@
             <a:fld id="{B61BEF0D-F0BB-DE4B-95CE-6DB70DBA9567}" type="datetimeFigureOut">
               <a:rPr lang="en-US"/>
               <a:pPr/>
-              <a:t>8/23/21</a:t>
+              <a:t>8/25/21</a:t>
             </a:fld>
             <a:endParaRPr lang="en-US" dirty="0"/>
           </a:p>
@@ -2547,7 +2547,7 @@
             <a:fld id="{B61BEF0D-F0BB-DE4B-95CE-6DB70DBA9567}" type="datetimeFigureOut">
               <a:rPr lang="en-US"/>
               <a:pPr/>
-              <a:t>8/23/21</a:t>
+              <a:t>8/25/21</a:t>
             </a:fld>
             <a:endParaRPr lang="en-US" dirty="0"/>
           </a:p>
@@ -2846,7 +2846,7 @@
             <a:fld id="{B61BEF0D-F0BB-DE4B-95CE-6DB70DBA9567}" type="datetimeFigureOut">
               <a:rPr lang="en-US"/>
               <a:pPr/>
-              <a:t>8/23/21</a:t>
+              <a:t>8/25/21</a:t>
             </a:fld>
             <a:endParaRPr lang="en-US" dirty="0"/>
           </a:p>
@@ -3265,7 +3265,7 @@
             <a:fld id="{B61BEF0D-F0BB-DE4B-95CE-6DB70DBA9567}" type="datetimeFigureOut">
               <a:rPr lang="en-US"/>
               <a:pPr/>
-              <a:t>8/23/21</a:t>
+              <a:t>8/25/21</a:t>
             </a:fld>
             <a:endParaRPr lang="en-US" dirty="0"/>
           </a:p>
@@ -3424,7 +3424,7 @@
             <a:fld id="{B61BEF0D-F0BB-DE4B-95CE-6DB70DBA9567}" type="datetimeFigureOut">
               <a:rPr lang="en-US"/>
               <a:pPr/>
-              <a:t>8/23/21</a:t>
+              <a:t>8/25/21</a:t>
             </a:fld>
             <a:endParaRPr lang="en-US" dirty="0"/>
           </a:p>
@@ -3516,7 +3516,7 @@
             <a:fld id="{B61BEF0D-F0BB-DE4B-95CE-6DB70DBA9567}" type="datetimeFigureOut">
               <a:rPr lang="en-US"/>
               <a:pPr/>
-              <a:t>8/23/21</a:t>
+              <a:t>8/25/21</a:t>
             </a:fld>
             <a:endParaRPr lang="en-US" dirty="0"/>
           </a:p>
@@ -3891,7 +3891,7 @@
             <a:fld id="{B61BEF0D-F0BB-DE4B-95CE-6DB70DBA9567}" type="datetimeFigureOut">
               <a:rPr lang="en-US"/>
               <a:pPr/>
-              <a:t>8/23/21</a:t>
+              <a:t>8/25/21</a:t>
             </a:fld>
             <a:endParaRPr lang="en-US" dirty="0"/>
           </a:p>
@@ -4176,7 +4176,7 @@
             <a:fld id="{B61BEF0D-F0BB-DE4B-95CE-6DB70DBA9567}" type="datetimeFigureOut">
               <a:rPr lang="en-US"/>
               <a:pPr/>
-              <a:t>8/23/21</a:t>
+              <a:t>8/25/21</a:t>
             </a:fld>
             <a:endParaRPr lang="en-US" dirty="0"/>
           </a:p>
@@ -4384,7 +4384,7 @@
             <a:fld id="{B61BEF0D-F0BB-DE4B-95CE-6DB70DBA9567}" type="datetimeFigureOut">
               <a:rPr lang="en-US"/>
               <a:pPr/>
-              <a:t>8/23/21</a:t>
+              <a:t>8/25/21</a:t>
             </a:fld>
             <a:endParaRPr lang="en-US" dirty="0"/>
           </a:p>
@@ -10758,7 +10758,7 @@
             </a:pPr>
             <a:r>
               <a:rPr lang="en-US" sz="2000" dirty="0"/>
-              <a:t>correlations</a:t>
+              <a:t>Correlations</a:t>
             </a:r>
           </a:p>
           <a:p>

--- a/teach/fall_21/slides/ds_1.pptx
+++ b/teach/fall_21/slides/ds_1.pptx
@@ -216,7 +216,7 @@
           <a:p>
             <a:fld id="{3B15A1CC-ACDD-704E-8698-C6E1792162B7}" type="datetimeFigureOut">
               <a:rPr lang="en-US" smtClean="0"/>
-              <a:t>8/25/21</a:t>
+              <a:t>1/18/22</a:t>
             </a:fld>
             <a:endParaRPr lang="en-US"/>
           </a:p>
@@ -1515,7 +1515,7 @@
             <a:fld id="{B61BEF0D-F0BB-DE4B-95CE-6DB70DBA9567}" type="datetimeFigureOut">
               <a:rPr lang="en-US"/>
               <a:pPr/>
-              <a:t>8/25/21</a:t>
+              <a:t>1/18/22</a:t>
             </a:fld>
             <a:endParaRPr lang="en-US" dirty="0"/>
           </a:p>
@@ -1774,7 +1774,7 @@
             <a:fld id="{B61BEF0D-F0BB-DE4B-95CE-6DB70DBA9567}" type="datetimeFigureOut">
               <a:rPr lang="en-US"/>
               <a:pPr/>
-              <a:t>8/25/21</a:t>
+              <a:t>1/18/22</a:t>
             </a:fld>
             <a:endParaRPr lang="en-US" dirty="0"/>
           </a:p>
@@ -2006,7 +2006,7 @@
             <a:fld id="{B61BEF0D-F0BB-DE4B-95CE-6DB70DBA9567}" type="datetimeFigureOut">
               <a:rPr lang="en-US"/>
               <a:pPr/>
-              <a:t>8/25/21</a:t>
+              <a:t>1/18/22</a:t>
             </a:fld>
             <a:endParaRPr lang="en-US" dirty="0"/>
           </a:p>
@@ -2243,7 +2243,7 @@
             <a:fld id="{B61BEF0D-F0BB-DE4B-95CE-6DB70DBA9567}" type="datetimeFigureOut">
               <a:rPr lang="en-US"/>
               <a:pPr/>
-              <a:t>8/25/21</a:t>
+              <a:t>1/18/22</a:t>
             </a:fld>
             <a:endParaRPr lang="en-US" dirty="0"/>
           </a:p>
@@ -2547,7 +2547,7 @@
             <a:fld id="{B61BEF0D-F0BB-DE4B-95CE-6DB70DBA9567}" type="datetimeFigureOut">
               <a:rPr lang="en-US"/>
               <a:pPr/>
-              <a:t>8/25/21</a:t>
+              <a:t>1/18/22</a:t>
             </a:fld>
             <a:endParaRPr lang="en-US" dirty="0"/>
           </a:p>
@@ -2846,7 +2846,7 @@
             <a:fld id="{B61BEF0D-F0BB-DE4B-95CE-6DB70DBA9567}" type="datetimeFigureOut">
               <a:rPr lang="en-US"/>
               <a:pPr/>
-              <a:t>8/25/21</a:t>
+              <a:t>1/18/22</a:t>
             </a:fld>
             <a:endParaRPr lang="en-US" dirty="0"/>
           </a:p>
@@ -3265,7 +3265,7 @@
             <a:fld id="{B61BEF0D-F0BB-DE4B-95CE-6DB70DBA9567}" type="datetimeFigureOut">
               <a:rPr lang="en-US"/>
               <a:pPr/>
-              <a:t>8/25/21</a:t>
+              <a:t>1/18/22</a:t>
             </a:fld>
             <a:endParaRPr lang="en-US" dirty="0"/>
           </a:p>
@@ -3424,7 +3424,7 @@
             <a:fld id="{B61BEF0D-F0BB-DE4B-95CE-6DB70DBA9567}" type="datetimeFigureOut">
               <a:rPr lang="en-US"/>
               <a:pPr/>
-              <a:t>8/25/21</a:t>
+              <a:t>1/18/22</a:t>
             </a:fld>
             <a:endParaRPr lang="en-US" dirty="0"/>
           </a:p>
@@ -3516,7 +3516,7 @@
             <a:fld id="{B61BEF0D-F0BB-DE4B-95CE-6DB70DBA9567}" type="datetimeFigureOut">
               <a:rPr lang="en-US"/>
               <a:pPr/>
-              <a:t>8/25/21</a:t>
+              <a:t>1/18/22</a:t>
             </a:fld>
             <a:endParaRPr lang="en-US" dirty="0"/>
           </a:p>
@@ -3891,7 +3891,7 @@
             <a:fld id="{B61BEF0D-F0BB-DE4B-95CE-6DB70DBA9567}" type="datetimeFigureOut">
               <a:rPr lang="en-US"/>
               <a:pPr/>
-              <a:t>8/25/21</a:t>
+              <a:t>1/18/22</a:t>
             </a:fld>
             <a:endParaRPr lang="en-US" dirty="0"/>
           </a:p>
@@ -4176,7 +4176,7 @@
             <a:fld id="{B61BEF0D-F0BB-DE4B-95CE-6DB70DBA9567}" type="datetimeFigureOut">
               <a:rPr lang="en-US"/>
               <a:pPr/>
-              <a:t>8/25/21</a:t>
+              <a:t>1/18/22</a:t>
             </a:fld>
             <a:endParaRPr lang="en-US" dirty="0"/>
           </a:p>
@@ -4384,7 +4384,7 @@
             <a:fld id="{B61BEF0D-F0BB-DE4B-95CE-6DB70DBA9567}" type="datetimeFigureOut">
               <a:rPr lang="en-US"/>
               <a:pPr/>
-              <a:t>8/25/21</a:t>
+              <a:t>1/18/22</a:t>
             </a:fld>
             <a:endParaRPr lang="en-US" dirty="0"/>
           </a:p>
@@ -5004,7 +5004,7 @@
           <a:p>
             <a:r>
               <a:rPr lang="en-US" b="1" dirty="0"/>
-              <a:t>Introduction to Data Mining</a:t>
+              <a:t>mining for Internet of Things Data</a:t>
             </a:r>
             <a:endParaRPr lang="en-US" dirty="0"/>
           </a:p>
@@ -5028,11 +5028,13 @@
         </p:nvSpPr>
         <p:spPr/>
         <p:txBody>
-          <a:bodyPr/>
+          <a:bodyPr>
+            <a:normAutofit/>
+          </a:bodyPr>
           <a:lstStyle/>
           <a:p>
             <a:r>
-              <a:rPr lang="en-US" dirty="0" err="1">
+              <a:rPr lang="en-US" sz="2400" dirty="0" err="1">
                 <a:solidFill>
                   <a:schemeClr val="tx1"/>
                 </a:solidFill>
@@ -5040,7 +5042,7 @@
               <a:t>Beiyu</a:t>
             </a:r>
             <a:r>
-              <a:rPr lang="en-US" dirty="0">
+              <a:rPr lang="en-US" sz="2400" dirty="0">
                 <a:solidFill>
                   <a:schemeClr val="tx1"/>
                 </a:solidFill>
@@ -10001,9 +10003,12 @@
               <a:rPr lang="en-US" sz="2500" dirty="0">
                 <a:hlinkClick r:id="rId3"/>
               </a:rPr>
-              <a:t>https://beiyulincs.github.io/teach/fall_21/dm.html</a:t>
-            </a:r>
-            <a:endParaRPr lang="en-US" sz="2500" dirty="0"/>
+              <a:t>https://beiyulincs.github.io/teach/spring_22/iot.html</a:t>
+            </a:r>
+            <a:r>
+              <a:rPr lang="en-US" sz="2500" dirty="0"/>
+              <a:t> </a:t>
+            </a:r>
           </a:p>
           <a:p>
             <a:pPr marL="0" indent="0">
@@ -10017,18 +10022,12 @@
               <a:rPr lang="en-US" sz="2500" dirty="0">
                 <a:hlinkClick r:id="rId4"/>
               </a:rPr>
-              <a:t>https://beiyulincs.github.io/teach/fall_21/syllabus_cs_458.pdf</a:t>
+              <a:t>https://beiyulincs.github.io/teach/spring_22/syllabus_cs_789.pdf</a:t>
             </a:r>
             <a:r>
               <a:rPr lang="en-US" sz="2500" dirty="0"/>
               <a:t> </a:t>
             </a:r>
-          </a:p>
-          <a:p>
-            <a:pPr marL="0" indent="0">
-              <a:buNone/>
-            </a:pPr>
-            <a:endParaRPr lang="en-US" sz="2500" dirty="0"/>
           </a:p>
           <a:p>
             <a:pPr marL="0" indent="0">
@@ -10396,13 +10395,19 @@
           <a:p>
             <a:r>
               <a:rPr lang="en-US" sz="2400" b="1" dirty="0"/>
-              <a:t>What is Data Mining? </a:t>
+              <a:t>What is IoT? </a:t>
             </a:r>
           </a:p>
           <a:p>
             <a:r>
               <a:rPr lang="en-US" sz="2400" b="1" dirty="0"/>
-              <a:t>Why Data Learning is important?  </a:t>
+              <a:t>What is IoT Data? </a:t>
+            </a:r>
+          </a:p>
+          <a:p>
+            <a:r>
+              <a:rPr lang="en-US" sz="2400" b="1" dirty="0"/>
+              <a:t>Why IoT is important?  </a:t>
             </a:r>
           </a:p>
           <a:p>
@@ -10478,8 +10483,13 @@
           <a:p>
             <a:r>
               <a:rPr lang="en-US" dirty="0"/>
-              <a:t>Data MINING</a:t>
-            </a:r>
+              <a:t>What </a:t>
+            </a:r>
+            <a:r>
+              <a:rPr lang="en-US"/>
+              <a:t>is IOT? </a:t>
+            </a:r>
+            <a:endParaRPr lang="en-US" dirty="0"/>
           </a:p>
         </p:txBody>
       </p:sp>
